--- a/借其他行业来看软件测试_ricky.pptx
+++ b/借其他行业来看软件测试_ricky.pptx
@@ -223,7 +223,7 @@
             <a:fld id="{58B8C24F-418A-4C76-964F-ECF8B4C1FC01}" type="datetimeFigureOut">
               <a:rPr lang="zh-CN" altLang="en-US" smtClean="0"/>
               <a:pPr/>
-              <a:t>2012/5/8</a:t>
+              <a:t>15/9/22</a:t>
             </a:fld>
             <a:endParaRPr lang="zh-CN" altLang="en-US"/>
           </a:p>
@@ -392,6 +392,11 @@
         </p:txBody>
       </p:sp>
     </p:spTree>
+    <p:extLst>
+      <p:ext uri="{BB962C8B-B14F-4D97-AF65-F5344CB8AC3E}">
+        <p14:creationId xmlns:p14="http://schemas.microsoft.com/office/powerpoint/2010/main" val="1033773654"/>
+      </p:ext>
+    </p:extLst>
   </p:cSld>
   <p:clrMap bg1="lt1" tx1="dk1" bg2="lt2" tx2="dk2" accent1="accent1" accent2="accent2" accent3="accent3" accent4="accent4" accent5="accent5" accent6="accent6" hlink="hlink" folHlink="folHlink"/>
   <p:notesStyle>
@@ -1238,7 +1243,7 @@
             <a:fld id="{530820CF-B880-4189-942D-D702A7CBA730}" type="datetimeFigureOut">
               <a:rPr lang="zh-CN" altLang="en-US" smtClean="0"/>
               <a:pPr/>
-              <a:t>2012/5/8</a:t>
+              <a:t>15/9/22</a:t>
             </a:fld>
             <a:endParaRPr lang="zh-CN" altLang="en-US"/>
           </a:p>
@@ -1405,7 +1410,7 @@
             <a:fld id="{530820CF-B880-4189-942D-D702A7CBA730}" type="datetimeFigureOut">
               <a:rPr lang="zh-CN" altLang="en-US" smtClean="0"/>
               <a:pPr/>
-              <a:t>2012/5/8</a:t>
+              <a:t>15/9/22</a:t>
             </a:fld>
             <a:endParaRPr lang="zh-CN" altLang="en-US"/>
           </a:p>
@@ -1582,7 +1587,7 @@
             <a:fld id="{530820CF-B880-4189-942D-D702A7CBA730}" type="datetimeFigureOut">
               <a:rPr lang="zh-CN" altLang="en-US" smtClean="0"/>
               <a:pPr/>
-              <a:t>2012/5/8</a:t>
+              <a:t>15/9/22</a:t>
             </a:fld>
             <a:endParaRPr lang="zh-CN" altLang="en-US"/>
           </a:p>
@@ -1749,7 +1754,7 @@
             <a:fld id="{530820CF-B880-4189-942D-D702A7CBA730}" type="datetimeFigureOut">
               <a:rPr lang="zh-CN" altLang="en-US" smtClean="0"/>
               <a:pPr/>
-              <a:t>2012/5/8</a:t>
+              <a:t>15/9/22</a:t>
             </a:fld>
             <a:endParaRPr lang="zh-CN" altLang="en-US"/>
           </a:p>
@@ -1992,7 +1997,7 @@
             <a:fld id="{530820CF-B880-4189-942D-D702A7CBA730}" type="datetimeFigureOut">
               <a:rPr lang="zh-CN" altLang="en-US" smtClean="0"/>
               <a:pPr/>
-              <a:t>2012/5/8</a:t>
+              <a:t>15/9/22</a:t>
             </a:fld>
             <a:endParaRPr lang="zh-CN" altLang="en-US"/>
           </a:p>
@@ -2277,7 +2282,7 @@
             <a:fld id="{530820CF-B880-4189-942D-D702A7CBA730}" type="datetimeFigureOut">
               <a:rPr lang="zh-CN" altLang="en-US" smtClean="0"/>
               <a:pPr/>
-              <a:t>2012/5/8</a:t>
+              <a:t>15/9/22</a:t>
             </a:fld>
             <a:endParaRPr lang="zh-CN" altLang="en-US"/>
           </a:p>
@@ -2696,7 +2701,7 @@
             <a:fld id="{530820CF-B880-4189-942D-D702A7CBA730}" type="datetimeFigureOut">
               <a:rPr lang="zh-CN" altLang="en-US" smtClean="0"/>
               <a:pPr/>
-              <a:t>2012/5/8</a:t>
+              <a:t>15/9/22</a:t>
             </a:fld>
             <a:endParaRPr lang="zh-CN" altLang="en-US"/>
           </a:p>
@@ -2811,7 +2816,7 @@
             <a:fld id="{530820CF-B880-4189-942D-D702A7CBA730}" type="datetimeFigureOut">
               <a:rPr lang="zh-CN" altLang="en-US" smtClean="0"/>
               <a:pPr/>
-              <a:t>2012/5/8</a:t>
+              <a:t>15/9/22</a:t>
             </a:fld>
             <a:endParaRPr lang="zh-CN" altLang="en-US"/>
           </a:p>
@@ -2903,7 +2908,7 @@
             <a:fld id="{530820CF-B880-4189-942D-D702A7CBA730}" type="datetimeFigureOut">
               <a:rPr lang="zh-CN" altLang="en-US" smtClean="0"/>
               <a:pPr/>
-              <a:t>2012/5/8</a:t>
+              <a:t>15/9/22</a:t>
             </a:fld>
             <a:endParaRPr lang="zh-CN" altLang="en-US"/>
           </a:p>
@@ -3177,7 +3182,7 @@
             <a:fld id="{530820CF-B880-4189-942D-D702A7CBA730}" type="datetimeFigureOut">
               <a:rPr lang="zh-CN" altLang="en-US" smtClean="0"/>
               <a:pPr/>
-              <a:t>2012/5/8</a:t>
+              <a:t>15/9/22</a:t>
             </a:fld>
             <a:endParaRPr lang="zh-CN" altLang="en-US"/>
           </a:p>
@@ -3427,7 +3432,7 @@
             <a:fld id="{530820CF-B880-4189-942D-D702A7CBA730}" type="datetimeFigureOut">
               <a:rPr lang="zh-CN" altLang="en-US" smtClean="0"/>
               <a:pPr/>
-              <a:t>2012/5/8</a:t>
+              <a:t>15/9/22</a:t>
             </a:fld>
             <a:endParaRPr lang="zh-CN" altLang="en-US"/>
           </a:p>
@@ -3637,7 +3642,7 @@
             <a:fld id="{530820CF-B880-4189-942D-D702A7CBA730}" type="datetimeFigureOut">
               <a:rPr lang="zh-CN" altLang="en-US" smtClean="0"/>
               <a:pPr/>
-              <a:t>2012/5/8</a:t>
+              <a:t>15/9/22</a:t>
             </a:fld>
             <a:endParaRPr lang="zh-CN" altLang="en-US"/>
           </a:p>
@@ -4147,11 +4152,15 @@
             </a:r>
             <a:r>
               <a:rPr lang="zh-CN" altLang="en-US" sz="2400" b="1" dirty="0" smtClean="0"/>
-              <a:t>上海分部软件测试沙龙 第四</a:t>
+              <a:t>上海分部软件测试沙龙 </a:t>
             </a:r>
             <a:r>
               <a:rPr lang="zh-CN" altLang="en-US" sz="2400" b="1" dirty="0" smtClean="0"/>
-              <a:t>期</a:t>
+              <a:t>第四期</a:t>
+            </a:r>
+            <a:r>
+              <a:rPr lang="en-US" altLang="zh-CN" sz="2400" b="1" smtClean="0"/>
+              <a:t> </a:t>
             </a:r>
             <a:endParaRPr lang="zh-CN" altLang="en-US" sz="2400" b="1" dirty="0" smtClean="0"/>
           </a:p>
@@ -4165,7 +4174,7 @@
   <p:timing>
     <p:tnLst>
       <p:par>
-        <p:cTn id="1" dur="indefinite" restart="never" nodeType="tmRoot"/>
+        <p:cTn xmlns:p14="http://schemas.microsoft.com/office/powerpoint/2010/main" id="1" dur="indefinite" restart="never" nodeType="tmRoot"/>
       </p:par>
     </p:tnLst>
   </p:timing>
@@ -4227,7 +4236,7 @@
   <p:timing>
     <p:tnLst>
       <p:par>
-        <p:cTn id="1" dur="indefinite" restart="never" nodeType="tmRoot"/>
+        <p:cTn xmlns:p14="http://schemas.microsoft.com/office/powerpoint/2010/main" id="1" dur="indefinite" restart="never" nodeType="tmRoot"/>
       </p:par>
     </p:tnLst>
   </p:timing>
@@ -4287,7 +4296,7 @@
   <p:timing>
     <p:tnLst>
       <p:par>
-        <p:cTn id="1" dur="indefinite" restart="never" nodeType="tmRoot"/>
+        <p:cTn xmlns:p14="http://schemas.microsoft.com/office/powerpoint/2010/main" id="1" dur="indefinite" restart="never" nodeType="tmRoot"/>
       </p:par>
     </p:tnLst>
   </p:timing>
@@ -4351,7 +4360,7 @@
   <p:timing>
     <p:tnLst>
       <p:par>
-        <p:cTn id="1" dur="indefinite" restart="never" nodeType="tmRoot"/>
+        <p:cTn xmlns:p14="http://schemas.microsoft.com/office/powerpoint/2010/main" id="1" dur="indefinite" restart="never" nodeType="tmRoot"/>
       </p:par>
     </p:tnLst>
   </p:timing>
@@ -4406,7 +4415,7 @@
   <p:timing>
     <p:tnLst>
       <p:par>
-        <p:cTn id="1" dur="indefinite" restart="never" nodeType="tmRoot"/>
+        <p:cTn xmlns:p14="http://schemas.microsoft.com/office/powerpoint/2010/main" id="1" dur="indefinite" restart="never" nodeType="tmRoot"/>
       </p:par>
     </p:tnLst>
   </p:timing>
@@ -4461,7 +4470,7 @@
   <p:timing>
     <p:tnLst>
       <p:par>
-        <p:cTn id="1" dur="indefinite" restart="never" nodeType="tmRoot"/>
+        <p:cTn xmlns:p14="http://schemas.microsoft.com/office/powerpoint/2010/main" id="1" dur="indefinite" restart="never" nodeType="tmRoot"/>
       </p:par>
     </p:tnLst>
   </p:timing>
@@ -4521,7 +4530,7 @@
   <p:timing>
     <p:tnLst>
       <p:par>
-        <p:cTn id="1" dur="indefinite" restart="never" nodeType="tmRoot"/>
+        <p:cTn xmlns:p14="http://schemas.microsoft.com/office/powerpoint/2010/main" id="1" dur="indefinite" restart="never" nodeType="tmRoot"/>
       </p:par>
     </p:tnLst>
   </p:timing>
@@ -4587,7 +4596,7 @@
   <p:timing>
     <p:tnLst>
       <p:par>
-        <p:cTn id="1" dur="indefinite" restart="never" nodeType="tmRoot"/>
+        <p:cTn xmlns:p14="http://schemas.microsoft.com/office/powerpoint/2010/main" id="1" dur="indefinite" restart="never" nodeType="tmRoot"/>
       </p:par>
     </p:tnLst>
   </p:timing>
@@ -4676,7 +4685,7 @@
   <p:timing>
     <p:tnLst>
       <p:par>
-        <p:cTn id="1" dur="indefinite" restart="never" nodeType="tmRoot"/>
+        <p:cTn xmlns:p14="http://schemas.microsoft.com/office/powerpoint/2010/main" id="1" dur="indefinite" restart="never" nodeType="tmRoot"/>
       </p:par>
     </p:tnLst>
   </p:timing>
@@ -4800,7 +4809,7 @@
   <p:timing>
     <p:tnLst>
       <p:par>
-        <p:cTn id="1" dur="indefinite" restart="never" nodeType="tmRoot"/>
+        <p:cTn xmlns:p14="http://schemas.microsoft.com/office/powerpoint/2010/main" id="1" dur="indefinite" restart="never" nodeType="tmRoot"/>
       </p:par>
     </p:tnLst>
   </p:timing>
@@ -5038,7 +5047,7 @@
   <p:timing>
     <p:tnLst>
       <p:par>
-        <p:cTn id="1" dur="indefinite" restart="never" nodeType="tmRoot">
+        <p:cTn xmlns:p14="http://schemas.microsoft.com/office/powerpoint/2010/main" id="1" dur="indefinite" restart="never" nodeType="tmRoot">
           <p:childTnLst>
             <p:seq concurrent="1" nextAc="seek">
               <p:cTn id="2" dur="indefinite" nodeType="mainSeq">
@@ -5300,7 +5309,7 @@
   <p:timing>
     <p:tnLst>
       <p:par>
-        <p:cTn id="1" dur="indefinite" restart="never" nodeType="tmRoot"/>
+        <p:cTn xmlns:p14="http://schemas.microsoft.com/office/powerpoint/2010/main" id="1" dur="indefinite" restart="never" nodeType="tmRoot"/>
       </p:par>
     </p:tnLst>
   </p:timing>
@@ -5465,7 +5474,7 @@
   <p:timing>
     <p:tnLst>
       <p:par>
-        <p:cTn id="1" dur="indefinite" restart="never" nodeType="tmRoot">
+        <p:cTn xmlns:p14="http://schemas.microsoft.com/office/powerpoint/2010/main" id="1" dur="indefinite" restart="never" nodeType="tmRoot">
           <p:childTnLst>
             <p:seq concurrent="1" nextAc="seek">
               <p:cTn id="2" dur="indefinite" nodeType="mainSeq">
@@ -5664,7 +5673,7 @@
   <p:timing>
     <p:tnLst>
       <p:par>
-        <p:cTn id="1" dur="indefinite" restart="never" nodeType="tmRoot"/>
+        <p:cTn xmlns:p14="http://schemas.microsoft.com/office/powerpoint/2010/main" id="1" dur="indefinite" restart="never" nodeType="tmRoot"/>
       </p:par>
     </p:tnLst>
   </p:timing>
@@ -5860,7 +5869,7 @@
   <p:timing>
     <p:tnLst>
       <p:par>
-        <p:cTn id="1" dur="indefinite" restart="never" nodeType="tmRoot">
+        <p:cTn xmlns:p14="http://schemas.microsoft.com/office/powerpoint/2010/main" id="1" dur="indefinite" restart="never" nodeType="tmRoot">
           <p:childTnLst>
             <p:seq concurrent="1" nextAc="seek">
               <p:cTn id="2" dur="indefinite" nodeType="mainSeq">
@@ -6006,7 +6015,7 @@
   <p:timing>
     <p:tnLst>
       <p:par>
-        <p:cTn id="1" dur="indefinite" restart="never" nodeType="tmRoot"/>
+        <p:cTn xmlns:p14="http://schemas.microsoft.com/office/powerpoint/2010/main" id="1" dur="indefinite" restart="never" nodeType="tmRoot"/>
       </p:par>
     </p:tnLst>
   </p:timing>
@@ -6172,7 +6181,7 @@
   <p:timing>
     <p:tnLst>
       <p:par>
-        <p:cTn id="1" dur="indefinite" restart="never" nodeType="tmRoot"/>
+        <p:cTn xmlns:p14="http://schemas.microsoft.com/office/powerpoint/2010/main" id="1" dur="indefinite" restart="never" nodeType="tmRoot"/>
       </p:par>
     </p:tnLst>
   </p:timing>
@@ -6238,7 +6247,7 @@
   <p:timing>
     <p:tnLst>
       <p:par>
-        <p:cTn id="1" dur="indefinite" restart="never" nodeType="tmRoot"/>
+        <p:cTn xmlns:p14="http://schemas.microsoft.com/office/powerpoint/2010/main" id="1" dur="indefinite" restart="never" nodeType="tmRoot"/>
       </p:par>
     </p:tnLst>
   </p:timing>
@@ -6334,7 +6343,7 @@
   <p:timing>
     <p:tnLst>
       <p:par>
-        <p:cTn id="1" dur="indefinite" restart="never" nodeType="tmRoot">
+        <p:cTn xmlns:p14="http://schemas.microsoft.com/office/powerpoint/2010/main" id="1" dur="indefinite" restart="never" nodeType="tmRoot">
           <p:childTnLst>
             <p:seq concurrent="1" nextAc="seek">
               <p:cTn id="2" dur="indefinite" nodeType="mainSeq">
@@ -6569,7 +6578,7 @@
   <p:timing>
     <p:tnLst>
       <p:par>
-        <p:cTn id="1" dur="indefinite" restart="never" nodeType="tmRoot"/>
+        <p:cTn xmlns:p14="http://schemas.microsoft.com/office/powerpoint/2010/main" id="1" dur="indefinite" restart="never" nodeType="tmRoot"/>
       </p:par>
     </p:tnLst>
   </p:timing>
@@ -6635,7 +6644,7 @@
   <p:timing>
     <p:tnLst>
       <p:par>
-        <p:cTn id="1" dur="indefinite" restart="never" nodeType="tmRoot"/>
+        <p:cTn xmlns:p14="http://schemas.microsoft.com/office/powerpoint/2010/main" id="1" dur="indefinite" restart="never" nodeType="tmRoot"/>
       </p:par>
     </p:tnLst>
   </p:timing>
@@ -6734,7 +6743,7 @@
   <p:timing>
     <p:tnLst>
       <p:par>
-        <p:cTn id="1" dur="indefinite" restart="never" nodeType="tmRoot"/>
+        <p:cTn xmlns:p14="http://schemas.microsoft.com/office/powerpoint/2010/main" id="1" dur="indefinite" restart="never" nodeType="tmRoot"/>
       </p:par>
     </p:tnLst>
   </p:timing>
@@ -6838,7 +6847,7 @@
   <p:timing>
     <p:tnLst>
       <p:par>
-        <p:cTn id="1" dur="indefinite" restart="never" nodeType="tmRoot"/>
+        <p:cTn xmlns:p14="http://schemas.microsoft.com/office/powerpoint/2010/main" id="1" dur="indefinite" restart="never" nodeType="tmRoot"/>
       </p:par>
     </p:tnLst>
   </p:timing>
@@ -7060,7 +7069,7 @@
   <p:timing>
     <p:tnLst>
       <p:par>
-        <p:cTn id="1" dur="indefinite" restart="never" nodeType="tmRoot">
+        <p:cTn xmlns:p14="http://schemas.microsoft.com/office/powerpoint/2010/main" id="1" dur="indefinite" restart="never" nodeType="tmRoot">
           <p:childTnLst>
             <p:seq concurrent="1" nextAc="seek">
               <p:cTn id="2" dur="indefinite" nodeType="mainSeq">
@@ -7268,7 +7277,7 @@
   <p:timing>
     <p:tnLst>
       <p:par>
-        <p:cTn id="1" dur="indefinite" restart="never" nodeType="tmRoot"/>
+        <p:cTn xmlns:p14="http://schemas.microsoft.com/office/powerpoint/2010/main" id="1" dur="indefinite" restart="never" nodeType="tmRoot"/>
       </p:par>
     </p:tnLst>
   </p:timing>
@@ -7328,7 +7337,7 @@
   <p:timing>
     <p:tnLst>
       <p:par>
-        <p:cTn id="1" dur="indefinite" restart="never" nodeType="tmRoot"/>
+        <p:cTn xmlns:p14="http://schemas.microsoft.com/office/powerpoint/2010/main" id="1" dur="indefinite" restart="never" nodeType="tmRoot"/>
       </p:par>
     </p:tnLst>
   </p:timing>
@@ -7582,7 +7591,7 @@
   <p:timing>
     <p:tnLst>
       <p:par>
-        <p:cTn id="1" dur="indefinite" restart="never" nodeType="tmRoot">
+        <p:cTn xmlns:p14="http://schemas.microsoft.com/office/powerpoint/2010/main" id="1" dur="indefinite" restart="never" nodeType="tmRoot">
           <p:childTnLst>
             <p:seq concurrent="1" nextAc="seek">
               <p:cTn id="2" dur="indefinite" nodeType="mainSeq">
@@ -7866,7 +7875,7 @@
   <p:timing>
     <p:tnLst>
       <p:par>
-        <p:cTn id="1" dur="indefinite" restart="never" nodeType="tmRoot"/>
+        <p:cTn xmlns:p14="http://schemas.microsoft.com/office/powerpoint/2010/main" id="1" dur="indefinite" restart="never" nodeType="tmRoot"/>
       </p:par>
     </p:tnLst>
   </p:timing>
@@ -7961,7 +7970,7 @@
   <p:timing>
     <p:tnLst>
       <p:par>
-        <p:cTn id="1" dur="indefinite" restart="never" nodeType="tmRoot"/>
+        <p:cTn xmlns:p14="http://schemas.microsoft.com/office/powerpoint/2010/main" id="1" dur="indefinite" restart="never" nodeType="tmRoot"/>
       </p:par>
     </p:tnLst>
   </p:timing>
@@ -8082,7 +8091,7 @@
   <p:timing>
     <p:tnLst>
       <p:par>
-        <p:cTn id="1" dur="indefinite" restart="never" nodeType="tmRoot"/>
+        <p:cTn xmlns:p14="http://schemas.microsoft.com/office/powerpoint/2010/main" id="1" dur="indefinite" restart="never" nodeType="tmRoot"/>
       </p:par>
     </p:tnLst>
   </p:timing>
@@ -8203,7 +8212,7 @@
   <p:timing>
     <p:tnLst>
       <p:par>
-        <p:cTn id="1" dur="indefinite" restart="never" nodeType="tmRoot"/>
+        <p:cTn xmlns:p14="http://schemas.microsoft.com/office/powerpoint/2010/main" id="1" dur="indefinite" restart="never" nodeType="tmRoot"/>
       </p:par>
     </p:tnLst>
   </p:timing>

--- a/借其他行业来看软件测试_ricky.pptx
+++ b/借其他行业来看软件测试_ricky.pptx
@@ -4106,12 +4106,12 @@
           <a:lstStyle/>
           <a:p>
             <a:r>
-              <a:rPr lang="en-US" altLang="zh-CN" dirty="0" smtClean="0"/>
+              <a:rPr lang="en-US" altLang="zh-CN" smtClean="0"/>
               <a:t>Ricky </a:t>
             </a:r>
             <a:r>
-              <a:rPr lang="en-US" altLang="zh-CN" dirty="0" err="1" smtClean="0"/>
-              <a:t>Qiu</a:t>
+              <a:rPr lang="en-US" altLang="zh-CN" smtClean="0"/>
+              <a:t>Qiu </a:t>
             </a:r>
             <a:endParaRPr lang="en-US" altLang="zh-CN" dirty="0" smtClean="0"/>
           </a:p>
@@ -4152,14 +4152,10 @@
             </a:r>
             <a:r>
               <a:rPr lang="zh-CN" altLang="en-US" sz="2400" b="1" dirty="0" smtClean="0"/>
-              <a:t>上海分部软件测试沙龙 </a:t>
-            </a:r>
-            <a:r>
-              <a:rPr lang="zh-CN" altLang="en-US" sz="2400" b="1" dirty="0" smtClean="0"/>
-              <a:t>第四期</a:t>
-            </a:r>
-            <a:r>
-              <a:rPr lang="en-US" altLang="zh-CN" sz="2400" b="1" smtClean="0"/>
+              <a:t>上海分部软件测试沙龙 第四期</a:t>
+            </a:r>
+            <a:r>
+              <a:rPr lang="en-US" altLang="zh-CN" sz="2400" b="1" dirty="0" smtClean="0"/>
               <a:t> </a:t>
             </a:r>
             <a:endParaRPr lang="zh-CN" altLang="en-US" sz="2400" b="1" dirty="0" smtClean="0"/>
